--- a/Rental Property Investment With Time Series Model.pptx
+++ b/Rental Property Investment With Time Series Model.pptx
@@ -231,7 +231,7 @@
           <a:p>
             <a:fld id="{F778BA51-4655-4789-84C6-C32A922A29DC}" type="datetimeFigureOut">
               <a:rPr lang="en-US" smtClean="0"/>
-              <a:t>12/11/2020</a:t>
+              <a:t>12/12/2020</a:t>
             </a:fld>
             <a:endParaRPr lang="en-US"/>
           </a:p>
@@ -820,7 +820,7 @@
           <a:p>
             <a:fld id="{ED291B17-9318-49DB-B28B-6E5994AE9581}" type="datetime1">
               <a:rPr lang="en-US" smtClean="0"/>
-              <a:t>12/11/2020</a:t>
+              <a:t>12/12/2020</a:t>
             </a:fld>
             <a:endParaRPr lang="en-US" dirty="0"/>
           </a:p>
@@ -1023,7 +1023,7 @@
           <a:p>
             <a:fld id="{2CED4963-E985-44C4-B8C4-FDD613B7C2F8}" type="datetime1">
               <a:rPr lang="en-US" smtClean="0"/>
-              <a:t>12/11/2020</a:t>
+              <a:t>12/12/2020</a:t>
             </a:fld>
             <a:endParaRPr lang="en-US" dirty="0"/>
           </a:p>
@@ -1385,7 +1385,7 @@
           <a:p>
             <a:fld id="{ED291B17-9318-49DB-B28B-6E5994AE9581}" type="datetime1">
               <a:rPr lang="en-US" smtClean="0"/>
-              <a:t>12/11/2020</a:t>
+              <a:t>12/12/2020</a:t>
             </a:fld>
             <a:endParaRPr lang="en-US" dirty="0"/>
           </a:p>
@@ -1583,7 +1583,7 @@
           <a:p>
             <a:fld id="{78DD82B9-B8EE-4375-B6FF-88FA6ABB15D9}" type="datetime1">
               <a:rPr lang="en-US" smtClean="0"/>
-              <a:t>12/11/2020</a:t>
+              <a:t>12/12/2020</a:t>
             </a:fld>
             <a:endParaRPr lang="en-US" dirty="0"/>
           </a:p>
@@ -1895,7 +1895,7 @@
           <a:p>
             <a:fld id="{B2497495-0637-405E-AE64-5CC7506D51F5}" type="datetime1">
               <a:rPr lang="en-US" smtClean="0"/>
-              <a:t>12/11/2020</a:t>
+              <a:t>12/12/2020</a:t>
             </a:fld>
             <a:endParaRPr lang="en-US" dirty="0"/>
           </a:p>
@@ -2148,7 +2148,7 @@
           <a:p>
             <a:fld id="{7BFFD690-9426-415D-8B65-26881E07B2D4}" type="datetime1">
               <a:rPr lang="en-US" smtClean="0"/>
-              <a:t>12/11/2020</a:t>
+              <a:t>12/12/2020</a:t>
             </a:fld>
             <a:endParaRPr lang="en-US" dirty="0"/>
           </a:p>
@@ -2570,7 +2570,7 @@
           <a:p>
             <a:fld id="{04C4989A-474C-40DE-95B9-011C28B71673}" type="datetime1">
               <a:rPr lang="en-US" smtClean="0"/>
-              <a:t>12/11/2020</a:t>
+              <a:t>12/12/2020</a:t>
             </a:fld>
             <a:endParaRPr lang="en-US" dirty="0"/>
           </a:p>
@@ -2693,7 +2693,7 @@
           <a:p>
             <a:fld id="{5DB4ED54-5B5E-4A04-93D3-5772E3CE3818}" type="datetime1">
               <a:rPr lang="en-US" smtClean="0"/>
-              <a:t>12/11/2020</a:t>
+              <a:t>12/12/2020</a:t>
             </a:fld>
             <a:endParaRPr lang="en-US" dirty="0"/>
           </a:p>
@@ -2788,7 +2788,7 @@
           <a:p>
             <a:fld id="{4EDE50D6-574B-40AF-946F-D52A04ADE379}" type="datetime1">
               <a:rPr lang="en-US" smtClean="0"/>
-              <a:t>12/11/2020</a:t>
+              <a:t>12/12/2020</a:t>
             </a:fld>
             <a:endParaRPr lang="en-US" dirty="0"/>
           </a:p>
@@ -3165,7 +3165,7 @@
           <a:p>
             <a:fld id="{D82884F1-FFEA-405F-9602-3DCA865EDA4E}" type="datetime1">
               <a:rPr lang="en-US" smtClean="0"/>
-              <a:t>12/11/2020</a:t>
+              <a:t>12/12/2020</a:t>
             </a:fld>
             <a:endParaRPr lang="en-US" dirty="0"/>
           </a:p>
@@ -3458,7 +3458,7 @@
           <a:p>
             <a:fld id="{7E18DB4A-8810-4A10-AD5C-D5E2C667F5B3}" type="datetime1">
               <a:rPr lang="en-US" smtClean="0"/>
-              <a:t>12/11/2020</a:t>
+              <a:t>12/12/2020</a:t>
             </a:fld>
             <a:endParaRPr lang="en-US" dirty="0"/>
           </a:p>
@@ -3673,7 +3673,7 @@
           <a:p>
             <a:fld id="{ED291B17-9318-49DB-B28B-6E5994AE9581}" type="datetime1">
               <a:rPr lang="en-US" smtClean="0"/>
-              <a:t>12/11/2020</a:t>
+              <a:t>12/12/2020</a:t>
             </a:fld>
             <a:endParaRPr lang="en-US" dirty="0"/>
           </a:p>
@@ -4698,7 +4698,7 @@
           <p:nvPr>
             <p:extLst>
               <p:ext uri="{D42A27DB-BD31-4B8C-83A1-F6EECF244321}">
-                <p14:modId xmlns:p14="http://schemas.microsoft.com/office/powerpoint/2010/main" val="3343821379"/>
+                <p14:modId xmlns:p14="http://schemas.microsoft.com/office/powerpoint/2010/main" val="121311198"/>
               </p:ext>
             </p:extLst>
           </p:nvPr>
@@ -4796,7 +4796,7 @@
                           </a:solidFill>
                           <a:latin typeface="Century Gothic" panose="020B0502020202020204" pitchFamily="34" charset="0"/>
                         </a:rPr>
-                        <a:t>Forecast values at 2023-04</a:t>
+                        <a:t>Forecast values on 2023-04</a:t>
                       </a:r>
                     </a:p>
                     <a:p>
@@ -4858,6 +4858,93 @@
                         </a:rPr>
                         <a:t>Min: 195K</a:t>
                       </a:r>
+                    </a:p>
+                    <a:p>
+                      <a:pPr marL="0" indent="0">
+                        <a:buFontTx/>
+                        <a:buNone/>
+                      </a:pPr>
+                      <a:endParaRPr lang="en-US" sz="2400" dirty="0">
+                        <a:solidFill>
+                          <a:schemeClr val="tx1">
+                            <a:lumMod val="65000"/>
+                            <a:lumOff val="35000"/>
+                          </a:schemeClr>
+                        </a:solidFill>
+                        <a:latin typeface="Century Gothic" panose="020B0502020202020204" pitchFamily="34" charset="0"/>
+                      </a:endParaRPr>
+                    </a:p>
+                    <a:p>
+                      <a:pPr marL="0" indent="0">
+                        <a:buFontTx/>
+                        <a:buNone/>
+                      </a:pPr>
+                      <a:r>
+                        <a:rPr lang="en-US" sz="2400" dirty="0">
+                          <a:solidFill>
+                            <a:schemeClr val="tx1">
+                              <a:lumMod val="65000"/>
+                              <a:lumOff val="35000"/>
+                            </a:schemeClr>
+                          </a:solidFill>
+                          <a:latin typeface="Century Gothic" panose="020B0502020202020204" pitchFamily="34" charset="0"/>
+                        </a:rPr>
+                        <a:t>Purchase price  on 2018-04</a:t>
+                      </a:r>
+                    </a:p>
+                    <a:p>
+                      <a:pPr marL="342900" indent="-342900">
+                        <a:buFontTx/>
+                        <a:buBlip>
+                          <a:blip r:embed="rId4"/>
+                        </a:buBlip>
+                      </a:pPr>
+                      <a:r>
+                        <a:rPr lang="en-US" sz="2400" dirty="0">
+                          <a:solidFill>
+                            <a:schemeClr val="tx1">
+                              <a:lumMod val="65000"/>
+                              <a:lumOff val="35000"/>
+                            </a:schemeClr>
+                          </a:solidFill>
+                          <a:latin typeface="Century Gothic" panose="020B0502020202020204" pitchFamily="34" charset="0"/>
+                        </a:rPr>
+                        <a:t>192K</a:t>
+                      </a:r>
+                    </a:p>
+                    <a:p>
+                      <a:pPr marL="342900" indent="-342900">
+                        <a:buFontTx/>
+                        <a:buBlip>
+                          <a:blip r:embed="rId4"/>
+                        </a:buBlip>
+                      </a:pPr>
+                      <a:endParaRPr lang="en-US" sz="2400" dirty="0">
+                        <a:solidFill>
+                          <a:schemeClr val="tx1">
+                            <a:lumMod val="65000"/>
+                            <a:lumOff val="35000"/>
+                          </a:schemeClr>
+                        </a:solidFill>
+                        <a:latin typeface="Century Gothic" panose="020B0502020202020204" pitchFamily="34" charset="0"/>
+                      </a:endParaRPr>
+                    </a:p>
+                    <a:p>
+                      <a:pPr marL="342900" indent="-342900">
+                        <a:buFontTx/>
+                        <a:buBlip>
+                          <a:blip r:embed="rId4"/>
+                        </a:buBlip>
+                      </a:pPr>
+                      <a:endParaRPr lang="en-US" sz="2400" dirty="0">
+                        <a:solidFill>
+                          <a:schemeClr val="tx1">
+                            <a:lumMod val="65000"/>
+                            <a:lumOff val="35000"/>
+                          </a:schemeClr>
+                        </a:solidFill>
+                        <a:latin typeface="Century Gothic" panose="020B0502020202020204" pitchFamily="34" charset="0"/>
+                      </a:endParaRPr>
                     </a:p>
                     <a:p>
                       <a:endParaRPr lang="en-US" sz="2000" dirty="0">
@@ -5013,7 +5100,7 @@
           <p:nvPr>
             <p:extLst>
               <p:ext uri="{D42A27DB-BD31-4B8C-83A1-F6EECF244321}">
-                <p14:modId xmlns:p14="http://schemas.microsoft.com/office/powerpoint/2010/main" val="671372850"/>
+                <p14:modId xmlns:p14="http://schemas.microsoft.com/office/powerpoint/2010/main" val="2780629769"/>
               </p:ext>
             </p:extLst>
           </p:nvPr>
@@ -5172,6 +5259,59 @@
                           <a:latin typeface="Century Gothic" panose="020B0502020202020204" pitchFamily="34" charset="0"/>
                         </a:rPr>
                         <a:t>Min: 186K</a:t>
+                      </a:r>
+                    </a:p>
+                    <a:p>
+                      <a:pPr marL="0" indent="0">
+                        <a:buFontTx/>
+                        <a:buNone/>
+                      </a:pPr>
+                      <a:endParaRPr lang="en-US" sz="2400" dirty="0">
+                        <a:solidFill>
+                          <a:schemeClr val="tx1">
+                            <a:lumMod val="65000"/>
+                            <a:lumOff val="35000"/>
+                          </a:schemeClr>
+                        </a:solidFill>
+                        <a:latin typeface="Century Gothic" panose="020B0502020202020204" pitchFamily="34" charset="0"/>
+                      </a:endParaRPr>
+                    </a:p>
+                    <a:p>
+                      <a:pPr marL="0" indent="0">
+                        <a:buFontTx/>
+                        <a:buNone/>
+                      </a:pPr>
+                      <a:r>
+                        <a:rPr lang="en-US" sz="2400" dirty="0">
+                          <a:solidFill>
+                            <a:schemeClr val="tx1">
+                              <a:lumMod val="65000"/>
+                              <a:lumOff val="35000"/>
+                            </a:schemeClr>
+                          </a:solidFill>
+                          <a:latin typeface="Century Gothic" panose="020B0502020202020204" pitchFamily="34" charset="0"/>
+                        </a:rPr>
+                        <a:t>Purchase price  on 2018-04</a:t>
+                      </a:r>
+                    </a:p>
+                    <a:p>
+                      <a:pPr marL="342900" indent="-342900">
+                        <a:buFontTx/>
+                        <a:buBlip>
+                          <a:blip r:embed="rId4"/>
+                        </a:buBlip>
+                      </a:pPr>
+                      <a:r>
+                        <a:rPr lang="en-US" sz="2400" dirty="0">
+                          <a:solidFill>
+                            <a:schemeClr val="tx1">
+                              <a:lumMod val="65000"/>
+                              <a:lumOff val="35000"/>
+                            </a:schemeClr>
+                          </a:solidFill>
+                          <a:latin typeface="Century Gothic" panose="020B0502020202020204" pitchFamily="34" charset="0"/>
+                        </a:rPr>
+                        <a:t>195K</a:t>
                       </a:r>
                     </a:p>
                     <a:p>
@@ -5328,7 +5468,7 @@
           <p:nvPr>
             <p:extLst>
               <p:ext uri="{D42A27DB-BD31-4B8C-83A1-F6EECF244321}">
-                <p14:modId xmlns:p14="http://schemas.microsoft.com/office/powerpoint/2010/main" val="155823498"/>
+                <p14:modId xmlns:p14="http://schemas.microsoft.com/office/powerpoint/2010/main" val="582122547"/>
               </p:ext>
             </p:extLst>
           </p:nvPr>
@@ -5488,6 +5628,76 @@
                         </a:rPr>
                         <a:t>Min: 167K</a:t>
                       </a:r>
+                    </a:p>
+                    <a:p>
+                      <a:pPr marL="342900" indent="-342900">
+                        <a:buFontTx/>
+                        <a:buBlip>
+                          <a:blip r:embed="rId4"/>
+                        </a:buBlip>
+                      </a:pPr>
+                      <a:endParaRPr lang="en-US" sz="2400" dirty="0">
+                        <a:solidFill>
+                          <a:schemeClr val="tx1">
+                            <a:lumMod val="65000"/>
+                            <a:lumOff val="35000"/>
+                          </a:schemeClr>
+                        </a:solidFill>
+                        <a:latin typeface="Century Gothic" panose="020B0502020202020204" pitchFamily="34" charset="0"/>
+                      </a:endParaRPr>
+                    </a:p>
+                    <a:p>
+                      <a:pPr marL="0" indent="0">
+                        <a:buFontTx/>
+                        <a:buNone/>
+                      </a:pPr>
+                      <a:r>
+                        <a:rPr lang="en-US" sz="2400" dirty="0">
+                          <a:solidFill>
+                            <a:schemeClr val="tx1">
+                              <a:lumMod val="65000"/>
+                              <a:lumOff val="35000"/>
+                            </a:schemeClr>
+                          </a:solidFill>
+                          <a:latin typeface="Century Gothic" panose="020B0502020202020204" pitchFamily="34" charset="0"/>
+                        </a:rPr>
+                        <a:t>Purchase price  on 2018-04</a:t>
+                      </a:r>
+                    </a:p>
+                    <a:p>
+                      <a:pPr marL="342900" indent="-342900">
+                        <a:buFontTx/>
+                        <a:buBlip>
+                          <a:blip r:embed="rId4"/>
+                        </a:buBlip>
+                      </a:pPr>
+                      <a:r>
+                        <a:rPr lang="en-US" sz="2400" dirty="0">
+                          <a:solidFill>
+                            <a:schemeClr val="tx1">
+                              <a:lumMod val="65000"/>
+                              <a:lumOff val="35000"/>
+                            </a:schemeClr>
+                          </a:solidFill>
+                          <a:latin typeface="Century Gothic" panose="020B0502020202020204" pitchFamily="34" charset="0"/>
+                        </a:rPr>
+                        <a:t>199K</a:t>
+                      </a:r>
+                    </a:p>
+                    <a:p>
+                      <a:pPr marL="0" indent="0">
+                        <a:buFontTx/>
+                        <a:buNone/>
+                      </a:pPr>
+                      <a:endParaRPr lang="en-US" sz="2400" dirty="0">
+                        <a:solidFill>
+                          <a:schemeClr val="tx1">
+                            <a:lumMod val="65000"/>
+                            <a:lumOff val="35000"/>
+                          </a:schemeClr>
+                        </a:solidFill>
+                        <a:latin typeface="Century Gothic" panose="020B0502020202020204" pitchFamily="34" charset="0"/>
+                      </a:endParaRPr>
                     </a:p>
                     <a:p>
                       <a:endParaRPr lang="en-US" sz="2000" dirty="0">
@@ -5643,7 +5853,7 @@
           <p:nvPr>
             <p:extLst>
               <p:ext uri="{D42A27DB-BD31-4B8C-83A1-F6EECF244321}">
-                <p14:modId xmlns:p14="http://schemas.microsoft.com/office/powerpoint/2010/main" val="1473047851"/>
+                <p14:modId xmlns:p14="http://schemas.microsoft.com/office/powerpoint/2010/main" val="4150959415"/>
               </p:ext>
             </p:extLst>
           </p:nvPr>
@@ -5802,6 +6012,49 @@
                           <a:latin typeface="Century Gothic" panose="020B0502020202020204" pitchFamily="34" charset="0"/>
                         </a:rPr>
                         <a:t>Min: 169K</a:t>
+                      </a:r>
+                    </a:p>
+                    <a:p>
+                      <a:endParaRPr lang="en-US" sz="2000" dirty="0">
+                        <a:latin typeface="Century Gothic" panose="020B0502020202020204" pitchFamily="34" charset="0"/>
+                      </a:endParaRPr>
+                    </a:p>
+                    <a:p>
+                      <a:pPr marL="0" indent="0">
+                        <a:buFontTx/>
+                        <a:buNone/>
+                      </a:pPr>
+                      <a:r>
+                        <a:rPr lang="en-US" sz="2400" dirty="0">
+                          <a:solidFill>
+                            <a:schemeClr val="tx1">
+                              <a:lumMod val="65000"/>
+                              <a:lumOff val="35000"/>
+                            </a:schemeClr>
+                          </a:solidFill>
+                          <a:latin typeface="Century Gothic" panose="020B0502020202020204" pitchFamily="34" charset="0"/>
+                        </a:rPr>
+                        <a:t>Purchase price  on 2018-04</a:t>
+                      </a:r>
+                    </a:p>
+                    <a:p>
+                      <a:pPr marL="342900" indent="-342900">
+                        <a:buFontTx/>
+                        <a:buBlip>
+                          <a:blip r:embed="rId4"/>
+                        </a:buBlip>
+                      </a:pPr>
+                      <a:r>
+                        <a:rPr lang="en-US" sz="2400" dirty="0">
+                          <a:solidFill>
+                            <a:schemeClr val="tx1">
+                              <a:lumMod val="65000"/>
+                              <a:lumOff val="35000"/>
+                            </a:schemeClr>
+                          </a:solidFill>
+                          <a:latin typeface="Century Gothic" panose="020B0502020202020204" pitchFamily="34" charset="0"/>
+                        </a:rPr>
+                        <a:t>204K</a:t>
                       </a:r>
                     </a:p>
                     <a:p>
@@ -5958,7 +6211,7 @@
           <p:nvPr>
             <p:extLst>
               <p:ext uri="{D42A27DB-BD31-4B8C-83A1-F6EECF244321}">
-                <p14:modId xmlns:p14="http://schemas.microsoft.com/office/powerpoint/2010/main" val="2371446356"/>
+                <p14:modId xmlns:p14="http://schemas.microsoft.com/office/powerpoint/2010/main" val="96017084"/>
               </p:ext>
             </p:extLst>
           </p:nvPr>
@@ -6117,6 +6370,49 @@
                           <a:latin typeface="Century Gothic" panose="020B0502020202020204" pitchFamily="34" charset="0"/>
                         </a:rPr>
                         <a:t>Min: 174K</a:t>
+                      </a:r>
+                    </a:p>
+                    <a:p>
+                      <a:endParaRPr lang="en-US" sz="2000" dirty="0">
+                        <a:latin typeface="Century Gothic" panose="020B0502020202020204" pitchFamily="34" charset="0"/>
+                      </a:endParaRPr>
+                    </a:p>
+                    <a:p>
+                      <a:pPr marL="0" indent="0">
+                        <a:buFontTx/>
+                        <a:buNone/>
+                      </a:pPr>
+                      <a:r>
+                        <a:rPr lang="en-US" sz="2400" dirty="0">
+                          <a:solidFill>
+                            <a:schemeClr val="tx1">
+                              <a:lumMod val="65000"/>
+                              <a:lumOff val="35000"/>
+                            </a:schemeClr>
+                          </a:solidFill>
+                          <a:latin typeface="Century Gothic" panose="020B0502020202020204" pitchFamily="34" charset="0"/>
+                        </a:rPr>
+                        <a:t>Purchase price  on 2018-04</a:t>
+                      </a:r>
+                    </a:p>
+                    <a:p>
+                      <a:pPr marL="342900" indent="-342900">
+                        <a:buFontTx/>
+                        <a:buBlip>
+                          <a:blip r:embed="rId4"/>
+                        </a:buBlip>
+                      </a:pPr>
+                      <a:r>
+                        <a:rPr lang="en-US" sz="2400" dirty="0">
+                          <a:solidFill>
+                            <a:schemeClr val="tx1">
+                              <a:lumMod val="65000"/>
+                              <a:lumOff val="35000"/>
+                            </a:schemeClr>
+                          </a:solidFill>
+                          <a:latin typeface="Century Gothic" panose="020B0502020202020204" pitchFamily="34" charset="0"/>
+                        </a:rPr>
+                        <a:t>224K</a:t>
                       </a:r>
                     </a:p>
                     <a:p>
@@ -9579,14 +9875,14 @@
           <p:nvPr>
             <p:extLst>
               <p:ext uri="{D42A27DB-BD31-4B8C-83A1-F6EECF244321}">
-                <p14:modId xmlns:p14="http://schemas.microsoft.com/office/powerpoint/2010/main" val="2541842348"/>
+                <p14:modId xmlns:p14="http://schemas.microsoft.com/office/powerpoint/2010/main" val="4136098172"/>
               </p:ext>
             </p:extLst>
           </p:nvPr>
         </p:nvGraphicFramePr>
         <p:xfrm>
           <a:off x="448236" y="1284443"/>
-          <a:ext cx="11295528" cy="5018642"/>
+          <a:ext cx="11295528" cy="5262482"/>
         </p:xfrm>
         <a:graphic>
           <a:graphicData uri="http://schemas.openxmlformats.org/drawingml/2006/table">
@@ -9595,14 +9891,14 @@
                 <a:tableStyleId>{5C22544A-7EE6-4342-B048-85BDC9FD1C3A}</a:tableStyleId>
               </a:tblPr>
               <a:tblGrid>
-                <a:gridCol w="3765176">
+                <a:gridCol w="3828489">
                   <a:extLst>
                     <a:ext uri="{9D8B030D-6E8A-4147-A177-3AD203B41FA5}">
                       <a16:colId xmlns:a16="http://schemas.microsoft.com/office/drawing/2014/main" val="749892214"/>
                     </a:ext>
                   </a:extLst>
                 </a:gridCol>
-                <a:gridCol w="3765176">
+                <a:gridCol w="3701863">
                   <a:extLst>
                     <a:ext uri="{9D8B030D-6E8A-4147-A177-3AD203B41FA5}">
                       <a16:colId xmlns:a16="http://schemas.microsoft.com/office/drawing/2014/main" val="1927283279"/>
@@ -9682,7 +9978,7 @@
                         <a:buNone/>
                       </a:pPr>
                       <a:r>
-                        <a:rPr lang="en-US" sz="2400" dirty="0">
+                        <a:rPr lang="en-US" sz="2200" dirty="0">
                           <a:solidFill>
                             <a:schemeClr val="tx1">
                               <a:lumMod val="65000"/>
@@ -9702,7 +9998,7 @@
                         </a:buBlip>
                       </a:pPr>
                       <a:r>
-                        <a:rPr lang="en-US" sz="2400" dirty="0">
+                        <a:rPr lang="en-US" sz="2200" dirty="0">
                           <a:solidFill>
                             <a:schemeClr val="tx1">
                               <a:lumMod val="65000"/>
@@ -9722,7 +10018,7 @@
                         </a:buBlip>
                       </a:pPr>
                       <a:r>
-                        <a:rPr lang="en-US" sz="2400" dirty="0">
+                        <a:rPr lang="en-US" sz="2200" dirty="0">
                           <a:solidFill>
                             <a:schemeClr val="tx1">
                               <a:lumMod val="65000"/>
@@ -9742,7 +10038,7 @@
                         </a:buBlip>
                       </a:pPr>
                       <a:r>
-                        <a:rPr lang="en-US" sz="2400" dirty="0">
+                        <a:rPr lang="en-US" sz="2200" dirty="0">
                           <a:solidFill>
                             <a:schemeClr val="tx1">
                               <a:lumMod val="65000"/>
@@ -9762,7 +10058,7 @@
                         </a:buBlip>
                       </a:pPr>
                       <a:r>
-                        <a:rPr lang="en-US" sz="2400" dirty="0">
+                        <a:rPr lang="en-US" sz="2200" dirty="0">
                           <a:solidFill>
                             <a:schemeClr val="tx1">
                               <a:lumMod val="65000"/>
@@ -9786,31 +10082,6 @@
                       </a:endParaRPr>
                     </a:p>
                     <a:p>
-                      <a:r>
-                        <a:rPr lang="en-US" sz="1600" dirty="0">
-                          <a:solidFill>
-                            <a:schemeClr val="tx1">
-                              <a:lumMod val="65000"/>
-                              <a:lumOff val="35000"/>
-                            </a:schemeClr>
-                          </a:solidFill>
-                          <a:latin typeface="Century Gothic" panose="020B0502020202020204" pitchFamily="34" charset="0"/>
-                        </a:rPr>
-                        <a:t>Appendix: </a:t>
-                      </a:r>
-                      <a:r>
-                        <a:rPr lang="en-US" sz="1600" dirty="0">
-                          <a:solidFill>
-                            <a:schemeClr val="tx1">
-                              <a:lumMod val="65000"/>
-                              <a:lumOff val="35000"/>
-                            </a:schemeClr>
-                          </a:solidFill>
-                          <a:latin typeface="Century Gothic" panose="020B0502020202020204" pitchFamily="34" charset="0"/>
-                          <a:hlinkClick r:id="rId4" action="ppaction://hlinksldjump"/>
-                        </a:rPr>
-                        <a:t>Metrics Calculation</a:t>
-                      </a:r>
                       <a:endParaRPr lang="en-US" sz="1600" dirty="0">
                         <a:solidFill>
                           <a:schemeClr val="tx1">
@@ -9822,6 +10093,86 @@
                       </a:endParaRPr>
                     </a:p>
                     <a:p>
+                      <a:endParaRPr lang="en-US" sz="1600" dirty="0">
+                        <a:solidFill>
+                          <a:schemeClr val="tx1">
+                            <a:lumMod val="65000"/>
+                            <a:lumOff val="35000"/>
+                          </a:schemeClr>
+                        </a:solidFill>
+                        <a:latin typeface="Century Gothic" panose="020B0502020202020204" pitchFamily="34" charset="0"/>
+                      </a:endParaRPr>
+                    </a:p>
+                    <a:p>
+                      <a:endParaRPr lang="en-US" sz="1600" dirty="0">
+                        <a:solidFill>
+                          <a:schemeClr val="tx1">
+                            <a:lumMod val="65000"/>
+                            <a:lumOff val="35000"/>
+                          </a:schemeClr>
+                        </a:solidFill>
+                        <a:latin typeface="Century Gothic" panose="020B0502020202020204" pitchFamily="34" charset="0"/>
+                      </a:endParaRPr>
+                    </a:p>
+                    <a:p>
+                      <a:endParaRPr lang="en-US" sz="1600" dirty="0">
+                        <a:solidFill>
+                          <a:schemeClr val="tx1">
+                            <a:lumMod val="65000"/>
+                            <a:lumOff val="35000"/>
+                          </a:schemeClr>
+                        </a:solidFill>
+                        <a:latin typeface="Century Gothic" panose="020B0502020202020204" pitchFamily="34" charset="0"/>
+                      </a:endParaRPr>
+                    </a:p>
+                    <a:p>
+                      <a:endParaRPr lang="en-US" sz="1600" dirty="0">
+                        <a:solidFill>
+                          <a:schemeClr val="tx1">
+                            <a:lumMod val="65000"/>
+                            <a:lumOff val="35000"/>
+                          </a:schemeClr>
+                        </a:solidFill>
+                        <a:latin typeface="Century Gothic" panose="020B0502020202020204" pitchFamily="34" charset="0"/>
+                      </a:endParaRPr>
+                    </a:p>
+                    <a:p>
+                      <a:r>
+                        <a:rPr lang="en-US" sz="1600" dirty="0">
+                          <a:solidFill>
+                            <a:schemeClr val="tx1">
+                              <a:lumMod val="65000"/>
+                              <a:lumOff val="35000"/>
+                            </a:schemeClr>
+                          </a:solidFill>
+                          <a:latin typeface="Century Gothic" panose="020B0502020202020204" pitchFamily="34" charset="0"/>
+                        </a:rPr>
+                        <a:t>Appendix: </a:t>
+                      </a:r>
+                      <a:r>
+                        <a:rPr lang="en-US" sz="1600" dirty="0">
+                          <a:solidFill>
+                            <a:schemeClr val="tx1">
+                              <a:lumMod val="65000"/>
+                              <a:lumOff val="35000"/>
+                            </a:schemeClr>
+                          </a:solidFill>
+                          <a:latin typeface="Century Gothic" panose="020B0502020202020204" pitchFamily="34" charset="0"/>
+                          <a:hlinkClick r:id="rId4" action="ppaction://hlinksldjump"/>
+                        </a:rPr>
+                        <a:t>Metrics Calculation</a:t>
+                      </a:r>
+                      <a:endParaRPr lang="en-US" sz="1600" dirty="0">
+                        <a:solidFill>
+                          <a:schemeClr val="tx1">
+                            <a:lumMod val="65000"/>
+                            <a:lumOff val="35000"/>
+                          </a:schemeClr>
+                        </a:solidFill>
+                        <a:latin typeface="Century Gothic" panose="020B0502020202020204" pitchFamily="34" charset="0"/>
+                      </a:endParaRPr>
+                    </a:p>
+                    <a:p>
                       <a:endParaRPr lang="en-US" sz="2000" dirty="0">
                         <a:latin typeface="Century Gothic" panose="020B0502020202020204" pitchFamily="34" charset="0"/>
                       </a:endParaRPr>
@@ -9843,7 +10194,7 @@
                         </a:buBlip>
                       </a:pPr>
                       <a:r>
-                        <a:rPr lang="en-US" sz="2400" dirty="0">
+                        <a:rPr lang="en-US" sz="2200" dirty="0">
                           <a:solidFill>
                             <a:schemeClr val="tx1">
                               <a:lumMod val="65000"/>
@@ -9863,7 +10214,7 @@
                         </a:buBlip>
                       </a:pPr>
                       <a:r>
-                        <a:rPr lang="en-US" sz="2400" dirty="0">
+                        <a:rPr lang="en-US" sz="2200" dirty="0">
                           <a:solidFill>
                             <a:schemeClr val="tx1">
                               <a:lumMod val="65000"/>
@@ -9883,7 +10234,7 @@
                         </a:buBlip>
                       </a:pPr>
                       <a:r>
-                        <a:rPr lang="en-US" sz="2400" dirty="0">
+                        <a:rPr lang="en-US" sz="2200" dirty="0">
                           <a:solidFill>
                             <a:schemeClr val="tx1">
                               <a:lumMod val="65000"/>
@@ -9903,7 +10254,7 @@
                         </a:buBlip>
                       </a:pPr>
                       <a:r>
-                        <a:rPr lang="en-US" sz="2400" dirty="0">
+                        <a:rPr lang="en-US" sz="2200" dirty="0">
                           <a:solidFill>
                             <a:schemeClr val="tx1">
                               <a:lumMod val="65000"/>
@@ -9915,7 +10266,7 @@
                         <a:t>RISD between 30</a:t>
                       </a:r>
                       <a:r>
-                        <a:rPr lang="en-US" sz="2400" baseline="30000" dirty="0">
+                        <a:rPr lang="en-US" sz="2200" baseline="30000" dirty="0">
                           <a:solidFill>
                             <a:schemeClr val="tx1">
                               <a:lumMod val="65000"/>
@@ -9927,7 +10278,7 @@
                         <a:t>th</a:t>
                       </a:r>
                       <a:r>
-                        <a:rPr lang="en-US" sz="2400" dirty="0">
+                        <a:rPr lang="en-US" sz="2200" dirty="0">
                           <a:solidFill>
                             <a:schemeClr val="tx1">
                               <a:lumMod val="65000"/>
@@ -9939,7 +10290,7 @@
                         <a:t> and 60</a:t>
                       </a:r>
                       <a:r>
-                        <a:rPr lang="en-US" sz="2400" baseline="30000" dirty="0">
+                        <a:rPr lang="en-US" sz="2200" baseline="30000" dirty="0">
                           <a:solidFill>
                             <a:schemeClr val="tx1">
                               <a:lumMod val="65000"/>
@@ -9951,7 +10302,7 @@
                         <a:t>th</a:t>
                       </a:r>
                       <a:r>
-                        <a:rPr lang="en-US" sz="2400" dirty="0">
+                        <a:rPr lang="en-US" sz="2200" dirty="0">
                           <a:solidFill>
                             <a:schemeClr val="tx1">
                               <a:lumMod val="65000"/>
@@ -10045,6 +10396,43 @@
           </a:p>
         </p:txBody>
       </p:sp>
+      <p:pic>
+        <p:nvPicPr>
+          <p:cNvPr id="3" name="Picture 2">
+            <a:extLst>
+              <a:ext uri="{FF2B5EF4-FFF2-40B4-BE49-F238E27FC236}">
+                <a16:creationId xmlns:a16="http://schemas.microsoft.com/office/drawing/2014/main" id="{9163B894-0F68-4260-8969-5641AC86B6C7}"/>
+              </a:ext>
+            </a:extLst>
+          </p:cNvPr>
+          <p:cNvPicPr>
+            <a:picLocks noChangeAspect="1"/>
+          </p:cNvPicPr>
+          <p:nvPr/>
+        </p:nvPicPr>
+        <p:blipFill>
+          <a:blip r:embed="rId5"/>
+          <a:stretch>
+            <a:fillRect/>
+          </a:stretch>
+        </p:blipFill>
+        <p:spPr>
+          <a:xfrm>
+            <a:off x="575894" y="4915588"/>
+            <a:ext cx="7430537" cy="895475"/>
+          </a:xfrm>
+          <a:prstGeom prst="rect">
+            <a:avLst/>
+          </a:prstGeom>
+          <a:effectLst>
+            <a:outerShdw blurRad="50800" dist="38100" dir="2700000" algn="tl" rotWithShape="0">
+              <a:prstClr val="black">
+                <a:alpha val="40000"/>
+              </a:prstClr>
+            </a:outerShdw>
+          </a:effectLst>
+        </p:spPr>
+      </p:pic>
     </p:spTree>
     <p:extLst>
       <p:ext uri="{BB962C8B-B14F-4D97-AF65-F5344CB8AC3E}">
@@ -12884,21 +13272,21 @@
 </file>
 
 <file path=customXml/item1.xml><?xml version="1.0" encoding="utf-8"?>
+<p:properties xmlns:p="http://schemas.microsoft.com/office/2006/metadata/properties" xmlns:xsi="http://www.w3.org/2001/XMLSchema-instance" xmlns:pc="http://schemas.microsoft.com/office/infopath/2007/PartnerControls">
+  <documentManagement>
+    <Status xmlns="71af3243-3dd4-4a8d-8c0d-dd76da1f02a5">Not started</Status>
+    <MediaServiceKeyPoints xmlns="71af3243-3dd4-4a8d-8c0d-dd76da1f02a5" xsi:nil="true"/>
+  </documentManagement>
+</p:properties>
+</file>
+
+<file path=customXml/item2.xml><?xml version="1.0" encoding="utf-8"?>
 <?mso-contentType ?>
 <FormTemplates xmlns="http://schemas.microsoft.com/sharepoint/v3/contenttype/forms">
   <Display>DocumentLibraryForm</Display>
   <Edit>DocumentLibraryForm</Edit>
   <New>DocumentLibraryForm</New>
 </FormTemplates>
-</file>
-
-<file path=customXml/item2.xml><?xml version="1.0" encoding="utf-8"?>
-<p:properties xmlns:p="http://schemas.microsoft.com/office/2006/metadata/properties" xmlns:xsi="http://www.w3.org/2001/XMLSchema-instance" xmlns:pc="http://schemas.microsoft.com/office/infopath/2007/PartnerControls">
-  <documentManagement>
-    <Status xmlns="71af3243-3dd4-4a8d-8c0d-dd76da1f02a5">Not started</Status>
-    <MediaServiceKeyPoints xmlns="71af3243-3dd4-4a8d-8c0d-dd76da1f02a5" xsi:nil="true"/>
-  </documentManagement>
-</p:properties>
 </file>
 
 <file path=customXml/item3.xml><?xml version="1.0" encoding="utf-8"?>
@@ -13123,14 +13511,6 @@
 </file>
 
 <file path=customXml/itemProps1.xml><?xml version="1.0" encoding="utf-8"?>
-<ds:datastoreItem xmlns:ds="http://schemas.openxmlformats.org/officeDocument/2006/customXml" ds:itemID="{927BD4C1-B6B1-4715-ABF9-E660A51A4EA0}">
-  <ds:schemaRefs>
-    <ds:schemaRef ds:uri="http://schemas.microsoft.com/sharepoint/v3/contenttype/forms"/>
-  </ds:schemaRefs>
-</ds:datastoreItem>
-</file>
-
-<file path=customXml/itemProps2.xml><?xml version="1.0" encoding="utf-8"?>
 <ds:datastoreItem xmlns:ds="http://schemas.openxmlformats.org/officeDocument/2006/customXml" ds:itemID="{8D289AE2-D2AE-49D1-AFAC-3A79F6794255}">
   <ds:schemaRefs>
     <ds:schemaRef ds:uri="http://purl.org/dc/elements/1.1/"/>
@@ -13143,6 +13523,14 @@
     <ds:schemaRef ds:uri="16c05727-aa75-4e4a-9b5f-8a80a1165891"/>
     <ds:schemaRef ds:uri="71af3243-3dd4-4a8d-8c0d-dd76da1f02a5"/>
     <ds:schemaRef ds:uri="http://purl.org/dc/terms/"/>
+  </ds:schemaRefs>
+</ds:datastoreItem>
+</file>
+
+<file path=customXml/itemProps2.xml><?xml version="1.0" encoding="utf-8"?>
+<ds:datastoreItem xmlns:ds="http://schemas.openxmlformats.org/officeDocument/2006/customXml" ds:itemID="{927BD4C1-B6B1-4715-ABF9-E660A51A4EA0}">
+  <ds:schemaRefs>
+    <ds:schemaRef ds:uri="http://schemas.microsoft.com/sharepoint/v3/contenttype/forms"/>
   </ds:schemaRefs>
 </ds:datastoreItem>
 </file>
